--- a/unidade_2/TRAB_RV_02_Part_2_PowerPoint_Mattedi.pptx
+++ b/unidade_2/TRAB_RV_02_Part_2_PowerPoint_Mattedi.pptx
@@ -226,7 +226,7 @@
             </a:pPr>
             <a:fld id="{3632E96E-41F7-40C5-8419-297958CC00FA}" type="datetimeFigureOut">
               <a:rPr lang="pt-BR"/>
-              <a:t>02/09/2024</a:t>
+              <a:t>03/09/2024</a:t>
             </a:fld>
             <a:endParaRPr lang="pt-BR"/>
           </a:p>
